--- a/4-7/周记-2019-4-7-程文胜.pptx
+++ b/4-7/周记-2019-4-7-程文胜.pptx
@@ -207,7 +207,7 @@
           <a:p>
             <a:fld id="{787C594C-4845-430F-8E14-87CC9113DFED}" type="datetimeFigureOut">
               <a:rPr lang="zh-CN" altLang="en-US" smtClean="0"/>
-              <a:t>2019/4/8</a:t>
+              <a:t>2019/4/9</a:t>
             </a:fld>
             <a:endParaRPr lang="zh-CN" altLang="en-US"/>
           </a:p>
@@ -688,7 +688,7 @@
           <a:p>
             <a:fld id="{47E27B2F-45EF-4723-8F48-7182D792568C}" type="datetimeFigureOut">
               <a:rPr lang="zh-CN" altLang="en-US" smtClean="0"/>
-              <a:t>2019/4/8</a:t>
+              <a:t>2019/4/9</a:t>
             </a:fld>
             <a:endParaRPr lang="zh-CN" altLang="en-US"/>
           </a:p>
@@ -856,7 +856,7 @@
           <a:p>
             <a:fld id="{47E27B2F-45EF-4723-8F48-7182D792568C}" type="datetimeFigureOut">
               <a:rPr lang="zh-CN" altLang="en-US" smtClean="0"/>
-              <a:t>2019/4/8</a:t>
+              <a:t>2019/4/9</a:t>
             </a:fld>
             <a:endParaRPr lang="zh-CN" altLang="en-US"/>
           </a:p>
@@ -1034,7 +1034,7 @@
           <a:p>
             <a:fld id="{47E27B2F-45EF-4723-8F48-7182D792568C}" type="datetimeFigureOut">
               <a:rPr lang="zh-CN" altLang="en-US" smtClean="0"/>
-              <a:t>2019/4/8</a:t>
+              <a:t>2019/4/9</a:t>
             </a:fld>
             <a:endParaRPr lang="zh-CN" altLang="en-US"/>
           </a:p>
@@ -1202,7 +1202,7 @@
           <a:p>
             <a:fld id="{47E27B2F-45EF-4723-8F48-7182D792568C}" type="datetimeFigureOut">
               <a:rPr lang="zh-CN" altLang="en-US" smtClean="0"/>
-              <a:t>2019/4/8</a:t>
+              <a:t>2019/4/9</a:t>
             </a:fld>
             <a:endParaRPr lang="zh-CN" altLang="en-US"/>
           </a:p>
@@ -1447,7 +1447,7 @@
           <a:p>
             <a:fld id="{47E27B2F-45EF-4723-8F48-7182D792568C}" type="datetimeFigureOut">
               <a:rPr lang="zh-CN" altLang="en-US" smtClean="0"/>
-              <a:t>2019/4/8</a:t>
+              <a:t>2019/4/9</a:t>
             </a:fld>
             <a:endParaRPr lang="zh-CN" altLang="en-US"/>
           </a:p>
@@ -1676,7 +1676,7 @@
           <a:p>
             <a:fld id="{47E27B2F-45EF-4723-8F48-7182D792568C}" type="datetimeFigureOut">
               <a:rPr lang="zh-CN" altLang="en-US" smtClean="0"/>
-              <a:t>2019/4/8</a:t>
+              <a:t>2019/4/9</a:t>
             </a:fld>
             <a:endParaRPr lang="zh-CN" altLang="en-US"/>
           </a:p>
@@ -2040,7 +2040,7 @@
           <a:p>
             <a:fld id="{47E27B2F-45EF-4723-8F48-7182D792568C}" type="datetimeFigureOut">
               <a:rPr lang="zh-CN" altLang="en-US" smtClean="0"/>
-              <a:t>2019/4/8</a:t>
+              <a:t>2019/4/9</a:t>
             </a:fld>
             <a:endParaRPr lang="zh-CN" altLang="en-US"/>
           </a:p>
@@ -2157,7 +2157,7 @@
           <a:p>
             <a:fld id="{47E27B2F-45EF-4723-8F48-7182D792568C}" type="datetimeFigureOut">
               <a:rPr lang="zh-CN" altLang="en-US" smtClean="0"/>
-              <a:t>2019/4/8</a:t>
+              <a:t>2019/4/9</a:t>
             </a:fld>
             <a:endParaRPr lang="zh-CN" altLang="en-US"/>
           </a:p>
@@ -2252,7 +2252,7 @@
           <a:p>
             <a:fld id="{47E27B2F-45EF-4723-8F48-7182D792568C}" type="datetimeFigureOut">
               <a:rPr lang="zh-CN" altLang="en-US" smtClean="0"/>
-              <a:t>2019/4/8</a:t>
+              <a:t>2019/4/9</a:t>
             </a:fld>
             <a:endParaRPr lang="zh-CN" altLang="en-US"/>
           </a:p>
@@ -2527,7 +2527,7 @@
           <a:p>
             <a:fld id="{47E27B2F-45EF-4723-8F48-7182D792568C}" type="datetimeFigureOut">
               <a:rPr lang="zh-CN" altLang="en-US" smtClean="0"/>
-              <a:t>2019/4/8</a:t>
+              <a:t>2019/4/9</a:t>
             </a:fld>
             <a:endParaRPr lang="zh-CN" altLang="en-US"/>
           </a:p>
@@ -2779,7 +2779,7 @@
           <a:p>
             <a:fld id="{47E27B2F-45EF-4723-8F48-7182D792568C}" type="datetimeFigureOut">
               <a:rPr lang="zh-CN" altLang="en-US" smtClean="0"/>
-              <a:t>2019/4/8</a:t>
+              <a:t>2019/4/9</a:t>
             </a:fld>
             <a:endParaRPr lang="zh-CN" altLang="en-US"/>
           </a:p>
@@ -2990,7 +2990,7 @@
           <a:p>
             <a:fld id="{47E27B2F-45EF-4723-8F48-7182D792568C}" type="datetimeFigureOut">
               <a:rPr lang="zh-CN" altLang="en-US" smtClean="0"/>
-              <a:t>2019/4/8</a:t>
+              <a:t>2019/4/9</a:t>
             </a:fld>
             <a:endParaRPr lang="zh-CN" altLang="en-US"/>
           </a:p>
@@ -3475,7 +3475,6 @@
               <a:rPr lang="en-US" altLang="zh-CN" sz="2000" b="1" dirty="0" smtClean="0"/>
               <a:t>2019.3.30-2019.4.7</a:t>
             </a:r>
-            <a:endParaRPr lang="en-US" altLang="zh-CN" sz="2000" b="1" dirty="0" smtClean="0"/>
           </a:p>
         </p:txBody>
       </p:sp>
@@ -3759,10 +3758,6 @@
               </a:rPr>
               <a:t>on the ACM MM conference paper with Lei Xu.</a:t>
             </a:r>
-            <a:endParaRPr lang="en-US" altLang="zh-CN" sz="3200" b="1" dirty="0" smtClean="0">
-              <a:latin typeface="Calibri Light" panose="020F0302020204030204" pitchFamily="34" charset="0"/>
-              <a:cs typeface="Calibri Light" panose="020F0302020204030204" pitchFamily="34" charset="0"/>
-            </a:endParaRPr>
           </a:p>
         </p:txBody>
       </p:sp>
@@ -3909,10 +3904,6 @@
               </a:rPr>
               <a:t>. The method is also convincing and has solid mathematical foundation.</a:t>
             </a:r>
-            <a:endParaRPr lang="en-US" altLang="zh-CN" sz="3200" b="1" dirty="0" smtClean="0">
-              <a:latin typeface="Calibri Light" panose="020F0302020204030204" pitchFamily="34" charset="0"/>
-              <a:cs typeface="Calibri Light" panose="020F0302020204030204" pitchFamily="34" charset="0"/>
-            </a:endParaRPr>
           </a:p>
         </p:txBody>
       </p:sp>
@@ -4059,10 +4050,6 @@
               </a:rPr>
               <a:t>, April. We have to give up. </a:t>
             </a:r>
-            <a:endParaRPr lang="en-US" altLang="zh-CN" sz="3200" b="1" dirty="0" smtClean="0">
-              <a:latin typeface="Calibri Light" panose="020F0302020204030204" pitchFamily="34" charset="0"/>
-              <a:cs typeface="Calibri Light" panose="020F0302020204030204" pitchFamily="34" charset="0"/>
-            </a:endParaRPr>
           </a:p>
         </p:txBody>
       </p:sp>
@@ -4213,10 +4200,6 @@
               </a:rPr>
               <a:t>fact, Lei Xu only got validation set result, rather than test set result.</a:t>
             </a:r>
-            <a:endParaRPr lang="en-US" altLang="zh-CN" sz="3200" b="1" dirty="0" smtClean="0">
-              <a:latin typeface="Calibri Light" panose="020F0302020204030204" pitchFamily="34" charset="0"/>
-              <a:cs typeface="Calibri Light" panose="020F0302020204030204" pitchFamily="34" charset="0"/>
-            </a:endParaRPr>
           </a:p>
           <a:p>
             <a:pPr marL="457200" indent="-457200">
@@ -4230,10 +4213,6 @@
               </a:rPr>
               <a:t>Since we haven’t gotten the key result of test set, it’s improper to register conference or prepare paper ahead. It’s unnecessary in fact. The most likely result is missing the deadline, just like this.</a:t>
             </a:r>
-            <a:endParaRPr lang="en-US" altLang="zh-CN" sz="3200" b="1" dirty="0" smtClean="0">
-              <a:latin typeface="Calibri Light" panose="020F0302020204030204" pitchFamily="34" charset="0"/>
-              <a:cs typeface="Calibri Light" panose="020F0302020204030204" pitchFamily="34" charset="0"/>
-            </a:endParaRPr>
           </a:p>
           <a:p>
             <a:pPr marL="457200" indent="-457200">
@@ -4245,12 +4224,29 @@
                 <a:latin typeface="Calibri Light" panose="020F0302020204030204" pitchFamily="34" charset="0"/>
                 <a:cs typeface="Calibri Light" panose="020F0302020204030204" pitchFamily="34" charset="0"/>
               </a:rPr>
-              <a:t>Health matters. Lei Xu has stayed up late for a long time, and got a fever, which made him tired. But if these key experiments had been performed ahead, there would have been no need to stay up late ++++so many times.</a:t>
-            </a:r>
-            <a:endParaRPr lang="en-US" altLang="zh-CN" sz="3200" b="1" dirty="0" smtClean="0">
-              <a:latin typeface="Calibri Light" panose="020F0302020204030204" pitchFamily="34" charset="0"/>
-              <a:cs typeface="Calibri Light" panose="020F0302020204030204" pitchFamily="34" charset="0"/>
-            </a:endParaRPr>
+              <a:t>Health matters. Lei Xu has stayed up late for a long time, and got a fever, which made him tired. But if these key experiments had been performed ahead, there would have been no need to stay </a:t>
+            </a:r>
+            <a:r>
+              <a:rPr lang="en-US" altLang="zh-CN" sz="3200" b="1" smtClean="0">
+                <a:latin typeface="Calibri Light" panose="020F0302020204030204" pitchFamily="34" charset="0"/>
+                <a:cs typeface="Calibri Light" panose="020F0302020204030204" pitchFamily="34" charset="0"/>
+              </a:rPr>
+              <a:t>up </a:t>
+            </a:r>
+            <a:r>
+              <a:rPr lang="en-US" altLang="zh-CN" sz="3200" b="1" smtClean="0">
+                <a:latin typeface="Calibri Light" panose="020F0302020204030204" pitchFamily="34" charset="0"/>
+                <a:cs typeface="Calibri Light" panose="020F0302020204030204" pitchFamily="34" charset="0"/>
+              </a:rPr>
+              <a:t>late so </a:t>
+            </a:r>
+            <a:r>
+              <a:rPr lang="en-US" altLang="zh-CN" sz="3200" b="1" dirty="0" smtClean="0">
+                <a:latin typeface="Calibri Light" panose="020F0302020204030204" pitchFamily="34" charset="0"/>
+                <a:cs typeface="Calibri Light" panose="020F0302020204030204" pitchFamily="34" charset="0"/>
+              </a:rPr>
+              <a:t>many times.</a:t>
+            </a:r>
           </a:p>
         </p:txBody>
       </p:sp>
